--- a/slides/da2021-lecture-11.pptx
+++ b/slides/da2021-lecture-11.pptx
@@ -5,29 +5,30 @@
     <p:sldMasterId id="2147483648" r:id="rId1"/>
   </p:sldMasterIdLst>
   <p:notesMasterIdLst>
-    <p:notesMasterId r:id="rId19"/>
+    <p:notesMasterId r:id="rId20"/>
   </p:notesMasterIdLst>
   <p:handoutMasterIdLst>
-    <p:handoutMasterId r:id="rId20"/>
+    <p:handoutMasterId r:id="rId21"/>
   </p:handoutMasterIdLst>
   <p:sldIdLst>
     <p:sldId id="258" r:id="rId2"/>
     <p:sldId id="259" r:id="rId3"/>
     <p:sldId id="260" r:id="rId4"/>
-    <p:sldId id="275" r:id="rId5"/>
-    <p:sldId id="285" r:id="rId6"/>
-    <p:sldId id="284" r:id="rId7"/>
-    <p:sldId id="286" r:id="rId8"/>
-    <p:sldId id="277" r:id="rId9"/>
-    <p:sldId id="276" r:id="rId10"/>
-    <p:sldId id="278" r:id="rId11"/>
-    <p:sldId id="279" r:id="rId12"/>
-    <p:sldId id="280" r:id="rId13"/>
-    <p:sldId id="281" r:id="rId14"/>
-    <p:sldId id="688" r:id="rId15"/>
-    <p:sldId id="283" r:id="rId16"/>
-    <p:sldId id="274" r:id="rId17"/>
-    <p:sldId id="282" r:id="rId18"/>
+    <p:sldId id="688" r:id="rId5"/>
+    <p:sldId id="275" r:id="rId6"/>
+    <p:sldId id="285" r:id="rId7"/>
+    <p:sldId id="284" r:id="rId8"/>
+    <p:sldId id="286" r:id="rId9"/>
+    <p:sldId id="277" r:id="rId10"/>
+    <p:sldId id="276" r:id="rId11"/>
+    <p:sldId id="278" r:id="rId12"/>
+    <p:sldId id="279" r:id="rId13"/>
+    <p:sldId id="280" r:id="rId14"/>
+    <p:sldId id="281" r:id="rId15"/>
+    <p:sldId id="689" r:id="rId16"/>
+    <p:sldId id="283" r:id="rId17"/>
+    <p:sldId id="274" r:id="rId18"/>
+    <p:sldId id="282" r:id="rId19"/>
   </p:sldIdLst>
   <p:sldSz cx="12192000" cy="6858000"/>
   <p:notesSz cx="6858000" cy="9144000"/>
@@ -847,7 +848,7 @@
           <a:p>
             <a:fld id="{62802235-233E-0844-BB48-1C5592EE2C02}" type="slidenum">
               <a:rPr lang="en-US" smtClean="0"/>
-              <a:t>12</a:t>
+              <a:t>13</a:t>
             </a:fld>
             <a:endParaRPr lang="en-US"/>
           </a:p>
@@ -931,7 +932,7 @@
           <a:p>
             <a:fld id="{62802235-233E-0844-BB48-1C5592EE2C02}" type="slidenum">
               <a:rPr lang="en-US" smtClean="0"/>
-              <a:t>15</a:t>
+              <a:t>16</a:t>
             </a:fld>
             <a:endParaRPr lang="en-US"/>
           </a:p>
@@ -4965,6 +4966,327 @@
           <p:cNvPr id="2" name="Title 1">
             <a:extLst>
               <a:ext uri="{FF2B5EF4-FFF2-40B4-BE49-F238E27FC236}">
+                <a16:creationId xmlns:a16="http://schemas.microsoft.com/office/drawing/2014/main" id="{4FD1F2FC-D4D5-8D4E-B775-5BA2E9C03F38}"/>
+              </a:ext>
+            </a:extLst>
+          </p:cNvPr>
+          <p:cNvSpPr>
+            <a:spLocks noGrp="1"/>
+          </p:cNvSpPr>
+          <p:nvPr>
+            <p:ph type="title"/>
+          </p:nvPr>
+        </p:nvSpPr>
+        <p:spPr/>
+        <p:txBody>
+          <a:bodyPr/>
+          <a:lstStyle/>
+          <a:p>
+            <a:r>
+              <a:rPr lang="en-US" dirty="0"/>
+              <a:t>Lucky neighborhoods</a:t>
+            </a:r>
+          </a:p>
+        </p:txBody>
+      </p:sp>
+      <p:sp>
+        <p:nvSpPr>
+          <p:cNvPr id="3" name="Content Placeholder 2">
+            <a:extLst>
+              <a:ext uri="{FF2B5EF4-FFF2-40B4-BE49-F238E27FC236}">
+                <a16:creationId xmlns:a16="http://schemas.microsoft.com/office/drawing/2014/main" id="{8B7579B4-FE2A-C649-8BBF-EC7D2304DBF5}"/>
+              </a:ext>
+            </a:extLst>
+          </p:cNvPr>
+          <p:cNvSpPr>
+            <a:spLocks noGrp="1"/>
+          </p:cNvSpPr>
+          <p:nvPr>
+            <p:ph idx="1"/>
+          </p:nvPr>
+        </p:nvSpPr>
+        <p:spPr/>
+        <p:txBody>
+          <a:bodyPr/>
+          <a:lstStyle/>
+          <a:p>
+            <a:r>
+              <a:rPr lang="en-US" b="1" dirty="0">
+                <a:latin typeface="Bernino Sans" pitchFamily="2" charset="77"/>
+              </a:rPr>
+              <a:t>Assumption: </a:t>
+            </a:r>
+            <a:r>
+              <a:rPr lang="en-US" dirty="0"/>
+              <a:t>P[</a:t>
+            </a:r>
+            <a:r>
+              <a:rPr lang="en-US" i="1" dirty="0"/>
+              <a:t>A</a:t>
+            </a:r>
+            <a:r>
+              <a:rPr lang="en-US" baseline="-25000" dirty="0"/>
+              <a:t>0</a:t>
+            </a:r>
+            <a:r>
+              <a:rPr lang="en-US" dirty="0"/>
+              <a:t> fails] &lt; 1/</a:t>
+            </a:r>
+            <a:r>
+              <a:rPr lang="en-US" i="1" dirty="0"/>
+              <a:t>x</a:t>
+            </a:r>
+            <a:r>
+              <a:rPr lang="en-US" baseline="30000" dirty="0"/>
+              <a:t>3</a:t>
+            </a:r>
+          </a:p>
+          <a:p>
+            <a:r>
+              <a:rPr lang="en-US" b="1" dirty="0">
+                <a:latin typeface="Bernino Sans" pitchFamily="2" charset="77"/>
+              </a:rPr>
+              <a:t>Definition: </a:t>
+            </a:r>
+            <a:r>
+              <a:rPr lang="en-US" dirty="0"/>
+              <a:t>P[</a:t>
+            </a:r>
+            <a:r>
+              <a:rPr lang="en-US" i="1" dirty="0"/>
+              <a:t>A</a:t>
+            </a:r>
+            <a:r>
+              <a:rPr lang="en-US" baseline="-25000" dirty="0"/>
+              <a:t>0</a:t>
+            </a:r>
+            <a:r>
+              <a:rPr lang="en-US" dirty="0"/>
+              <a:t> fails | unlucky] ≥ 1/</a:t>
+            </a:r>
+            <a:r>
+              <a:rPr lang="en-US" i="1" dirty="0"/>
+              <a:t>x</a:t>
+            </a:r>
+            <a:r>
+              <a:rPr lang="en-US" baseline="30000" dirty="0"/>
+              <a:t>2</a:t>
+            </a:r>
+            <a:endParaRPr lang="en-US" dirty="0"/>
+          </a:p>
+          <a:p>
+            <a:r>
+              <a:rPr lang="en-US" dirty="0"/>
+              <a:t>P[</a:t>
+            </a:r>
+            <a:r>
+              <a:rPr lang="en-US" i="1" dirty="0"/>
+              <a:t>A</a:t>
+            </a:r>
+            <a:r>
+              <a:rPr lang="en-US" baseline="-25000" dirty="0"/>
+              <a:t>0</a:t>
+            </a:r>
+            <a:r>
+              <a:rPr lang="en-US" dirty="0"/>
+              <a:t> fails | unlucky] · P[unlucky] &lt; 1/</a:t>
+            </a:r>
+            <a:r>
+              <a:rPr lang="en-US" i="1" dirty="0"/>
+              <a:t>x</a:t>
+            </a:r>
+            <a:r>
+              <a:rPr lang="en-US" baseline="30000" dirty="0"/>
+              <a:t>3</a:t>
+            </a:r>
+            <a:endParaRPr lang="en-US" dirty="0"/>
+          </a:p>
+          <a:p>
+            <a:r>
+              <a:rPr lang="en-US" dirty="0"/>
+              <a:t>P[unlucky] &lt; </a:t>
+            </a:r>
+            <a:r>
+              <a:rPr lang="en-US" b="1" dirty="0">
+                <a:solidFill>
+                  <a:schemeClr val="accent1"/>
+                </a:solidFill>
+                <a:latin typeface="Bernino Sans" pitchFamily="2" charset="77"/>
+              </a:rPr>
+              <a:t>1/x</a:t>
+            </a:r>
+            <a:endParaRPr lang="en-US" b="1" i="1" dirty="0">
+              <a:solidFill>
+                <a:schemeClr val="accent1"/>
+              </a:solidFill>
+              <a:latin typeface="Bernino Sans" pitchFamily="2" charset="77"/>
+            </a:endParaRPr>
+          </a:p>
+        </p:txBody>
+      </p:sp>
+    </p:spTree>
+    <p:extLst>
+      <p:ext uri="{BB962C8B-B14F-4D97-AF65-F5344CB8AC3E}">
+        <p14:creationId xmlns:p14="http://schemas.microsoft.com/office/powerpoint/2010/main" val="1714300581"/>
+      </p:ext>
+    </p:extLst>
+  </p:cSld>
+  <p:clrMapOvr>
+    <a:masterClrMapping/>
+  </p:clrMapOvr>
+  <p:timing>
+    <p:tnLst>
+      <p:par>
+        <p:cTn id="1" dur="indefinite" restart="never" nodeType="tmRoot">
+          <p:childTnLst>
+            <p:seq concurrent="1" nextAc="seek">
+              <p:cTn id="2" dur="indefinite" nodeType="mainSeq">
+                <p:childTnLst>
+                  <p:par>
+                    <p:cTn id="3" fill="hold">
+                      <p:stCondLst>
+                        <p:cond delay="indefinite"/>
+                      </p:stCondLst>
+                      <p:childTnLst>
+                        <p:par>
+                          <p:cTn id="4" fill="hold">
+                            <p:stCondLst>
+                              <p:cond delay="0"/>
+                            </p:stCondLst>
+                            <p:childTnLst>
+                              <p:par>
+                                <p:cTn id="5" presetID="1" presetClass="entr" presetSubtype="0" fill="hold" nodeType="clickEffect">
+                                  <p:stCondLst>
+                                    <p:cond delay="0"/>
+                                  </p:stCondLst>
+                                  <p:childTnLst>
+                                    <p:set>
+                                      <p:cBhvr>
+                                        <p:cTn id="6" dur="1" fill="hold">
+                                          <p:stCondLst>
+                                            <p:cond delay="0"/>
+                                          </p:stCondLst>
+                                        </p:cTn>
+                                        <p:tgtEl>
+                                          <p:spTgt spid="3">
+                                            <p:txEl>
+                                              <p:pRg st="2" end="2"/>
+                                            </p:txEl>
+                                          </p:spTgt>
+                                        </p:tgtEl>
+                                        <p:attrNameLst>
+                                          <p:attrName>style.visibility</p:attrName>
+                                        </p:attrNameLst>
+                                      </p:cBhvr>
+                                      <p:to>
+                                        <p:strVal val="visible"/>
+                                      </p:to>
+                                    </p:set>
+                                  </p:childTnLst>
+                                </p:cTn>
+                              </p:par>
+                            </p:childTnLst>
+                          </p:cTn>
+                        </p:par>
+                      </p:childTnLst>
+                    </p:cTn>
+                  </p:par>
+                  <p:par>
+                    <p:cTn id="7" fill="hold">
+                      <p:stCondLst>
+                        <p:cond delay="indefinite"/>
+                      </p:stCondLst>
+                      <p:childTnLst>
+                        <p:par>
+                          <p:cTn id="8" fill="hold">
+                            <p:stCondLst>
+                              <p:cond delay="0"/>
+                            </p:stCondLst>
+                            <p:childTnLst>
+                              <p:par>
+                                <p:cTn id="9" presetID="1" presetClass="entr" presetSubtype="0" fill="hold" nodeType="clickEffect">
+                                  <p:stCondLst>
+                                    <p:cond delay="0"/>
+                                  </p:stCondLst>
+                                  <p:childTnLst>
+                                    <p:set>
+                                      <p:cBhvr>
+                                        <p:cTn id="10" dur="1" fill="hold">
+                                          <p:stCondLst>
+                                            <p:cond delay="0"/>
+                                          </p:stCondLst>
+                                        </p:cTn>
+                                        <p:tgtEl>
+                                          <p:spTgt spid="3">
+                                            <p:txEl>
+                                              <p:pRg st="3" end="3"/>
+                                            </p:txEl>
+                                          </p:spTgt>
+                                        </p:tgtEl>
+                                        <p:attrNameLst>
+                                          <p:attrName>style.visibility</p:attrName>
+                                        </p:attrNameLst>
+                                      </p:cBhvr>
+                                      <p:to>
+                                        <p:strVal val="visible"/>
+                                      </p:to>
+                                    </p:set>
+                                  </p:childTnLst>
+                                </p:cTn>
+                              </p:par>
+                            </p:childTnLst>
+                          </p:cTn>
+                        </p:par>
+                      </p:childTnLst>
+                    </p:cTn>
+                  </p:par>
+                </p:childTnLst>
+              </p:cTn>
+              <p:prevCondLst>
+                <p:cond evt="onPrev" delay="0">
+                  <p:tgtEl>
+                    <p:sldTgt/>
+                  </p:tgtEl>
+                </p:cond>
+              </p:prevCondLst>
+              <p:nextCondLst>
+                <p:cond evt="onNext" delay="0">
+                  <p:tgtEl>
+                    <p:sldTgt/>
+                  </p:tgtEl>
+                </p:cond>
+              </p:nextCondLst>
+            </p:seq>
+          </p:childTnLst>
+        </p:cTn>
+      </p:par>
+    </p:tnLst>
+  </p:timing>
+</p:sld>
+</file>
+
+<file path=ppt/slides/slide11.xml><?xml version="1.0" encoding="utf-8"?>
+<p:sld xmlns:a="http://schemas.openxmlformats.org/drawingml/2006/main" xmlns:r="http://schemas.openxmlformats.org/officeDocument/2006/relationships" xmlns:p="http://schemas.openxmlformats.org/presentationml/2006/main">
+  <p:cSld>
+    <p:spTree>
+      <p:nvGrpSpPr>
+        <p:cNvPr id="1" name=""/>
+        <p:cNvGrpSpPr/>
+        <p:nvPr/>
+      </p:nvGrpSpPr>
+      <p:grpSpPr>
+        <a:xfrm>
+          <a:off x="0" y="0"/>
+          <a:ext cx="0" cy="0"/>
+          <a:chOff x="0" y="0"/>
+          <a:chExt cx="0" cy="0"/>
+        </a:xfrm>
+      </p:grpSpPr>
+      <p:sp>
+        <p:nvSpPr>
+          <p:cNvPr id="2" name="Title 1">
+            <a:extLst>
+              <a:ext uri="{FF2B5EF4-FFF2-40B4-BE49-F238E27FC236}">
                 <a16:creationId xmlns:a16="http://schemas.microsoft.com/office/drawing/2014/main" id="{34461076-568B-EC46-981F-67BD3A9ECB26}"/>
               </a:ext>
             </a:extLst>
@@ -5419,303 +5741,6 @@
 </p:sld>
 </file>
 
-<file path=ppt/slides/slide11.xml><?xml version="1.0" encoding="utf-8"?>
-<p:sld xmlns:a="http://schemas.openxmlformats.org/drawingml/2006/main" xmlns:r="http://schemas.openxmlformats.org/officeDocument/2006/relationships" xmlns:p="http://schemas.openxmlformats.org/presentationml/2006/main">
-  <p:cSld>
-    <p:spTree>
-      <p:nvGrpSpPr>
-        <p:cNvPr id="1" name=""/>
-        <p:cNvGrpSpPr/>
-        <p:nvPr/>
-      </p:nvGrpSpPr>
-      <p:grpSpPr>
-        <a:xfrm>
-          <a:off x="0" y="0"/>
-          <a:ext cx="0" cy="0"/>
-          <a:chOff x="0" y="0"/>
-          <a:chExt cx="0" cy="0"/>
-        </a:xfrm>
-      </p:grpSpPr>
-      <p:sp>
-        <p:nvSpPr>
-          <p:cNvPr id="2" name="Title 1">
-            <a:extLst>
-              <a:ext uri="{FF2B5EF4-FFF2-40B4-BE49-F238E27FC236}">
-                <a16:creationId xmlns:a16="http://schemas.microsoft.com/office/drawing/2014/main" id="{110B4C5D-1CA8-7E49-AF9A-2562C8116D71}"/>
-              </a:ext>
-            </a:extLst>
-          </p:cNvPr>
-          <p:cNvSpPr>
-            <a:spLocks noGrp="1"/>
-          </p:cNvSpPr>
-          <p:nvPr>
-            <p:ph type="title"/>
-          </p:nvPr>
-        </p:nvSpPr>
-        <p:spPr/>
-        <p:txBody>
-          <a:bodyPr/>
-          <a:lstStyle/>
-          <a:p>
-            <a:r>
-              <a:rPr lang="en-US" dirty="0"/>
-              <a:t>Summary</a:t>
-            </a:r>
-          </a:p>
-        </p:txBody>
-      </p:sp>
-      <p:sp>
-        <p:nvSpPr>
-          <p:cNvPr id="3" name="Content Placeholder 2">
-            <a:extLst>
-              <a:ext uri="{FF2B5EF4-FFF2-40B4-BE49-F238E27FC236}">
-                <a16:creationId xmlns:a16="http://schemas.microsoft.com/office/drawing/2014/main" id="{7FA3AFC2-977E-1F48-A6FC-F8029CD176C2}"/>
-              </a:ext>
-            </a:extLst>
-          </p:cNvPr>
-          <p:cNvSpPr>
-            <a:spLocks noGrp="1"/>
-          </p:cNvSpPr>
-          <p:nvPr>
-            <p:ph idx="1"/>
-          </p:nvPr>
-        </p:nvSpPr>
-        <p:spPr/>
-        <p:txBody>
-          <a:bodyPr/>
-          <a:lstStyle/>
-          <a:p>
-            <a:r>
-              <a:rPr lang="en-US" dirty="0"/>
-              <a:t>P[</a:t>
-            </a:r>
-            <a:r>
-              <a:rPr lang="en-US" i="1" dirty="0"/>
-              <a:t>A</a:t>
-            </a:r>
-            <a:r>
-              <a:rPr lang="en-US" baseline="-25000" dirty="0"/>
-              <a:t>0</a:t>
-            </a:r>
-            <a:r>
-              <a:rPr lang="en-US" dirty="0"/>
-              <a:t> fails] &lt; </a:t>
-            </a:r>
-            <a:r>
-              <a:rPr lang="en-US" b="1" dirty="0">
-                <a:solidFill>
-                  <a:schemeClr val="accent2"/>
-                </a:solidFill>
-                <a:latin typeface="Bernino Sans" pitchFamily="2" charset="77"/>
-              </a:rPr>
-              <a:t>1/</a:t>
-            </a:r>
-            <a:r>
-              <a:rPr lang="en-US" b="1" i="1" dirty="0">
-                <a:solidFill>
-                  <a:schemeClr val="accent2"/>
-                </a:solidFill>
-                <a:latin typeface="Bernino Sans" pitchFamily="2" charset="77"/>
-              </a:rPr>
-              <a:t>x</a:t>
-            </a:r>
-            <a:r>
-              <a:rPr lang="en-US" b="1" baseline="30000" dirty="0">
-                <a:solidFill>
-                  <a:schemeClr val="accent2"/>
-                </a:solidFill>
-                <a:latin typeface="Bernino Sans" pitchFamily="2" charset="77"/>
-              </a:rPr>
-              <a:t>3</a:t>
-            </a:r>
-            <a:endParaRPr lang="en-US" baseline="30000" dirty="0">
-              <a:solidFill>
-                <a:schemeClr val="accent2"/>
-              </a:solidFill>
-            </a:endParaRPr>
-          </a:p>
-          <a:p>
-            <a:r>
-              <a:rPr lang="en-US" dirty="0"/>
-              <a:t>Possible </a:t>
-            </a:r>
-            <a:r>
-              <a:rPr lang="en-US" i="1" dirty="0"/>
-              <a:t>A</a:t>
-            </a:r>
-            <a:r>
-              <a:rPr lang="en-US" baseline="-25000" dirty="0"/>
-              <a:t>1</a:t>
-            </a:r>
-            <a:r>
-              <a:rPr lang="en-US" dirty="0"/>
-              <a:t>-failures:</a:t>
-            </a:r>
-          </a:p>
-          <a:p>
-            <a:pPr lvl="1"/>
-            <a:r>
-              <a:rPr lang="en-US" dirty="0"/>
-              <a:t>P[unlucky] &lt; </a:t>
-            </a:r>
-            <a:r>
-              <a:rPr lang="en-US" b="1" dirty="0">
-                <a:solidFill>
-                  <a:schemeClr val="accent1"/>
-                </a:solidFill>
-                <a:latin typeface="Bernino Sans" pitchFamily="2" charset="77"/>
-              </a:rPr>
-              <a:t>1/x</a:t>
-            </a:r>
-            <a:endParaRPr lang="en-US" b="1" i="1" dirty="0">
-              <a:solidFill>
-                <a:schemeClr val="accent1"/>
-              </a:solidFill>
-              <a:latin typeface="Bernino Sans" pitchFamily="2" charset="77"/>
-            </a:endParaRPr>
-          </a:p>
-          <a:p>
-            <a:pPr lvl="1"/>
-            <a:r>
-              <a:rPr lang="en-US" dirty="0"/>
-              <a:t>P[</a:t>
-            </a:r>
-            <a:r>
-              <a:rPr lang="en-US" i="1" dirty="0"/>
-              <a:t>A</a:t>
-            </a:r>
-            <a:r>
-              <a:rPr lang="en-US" baseline="-25000" dirty="0"/>
-              <a:t>0</a:t>
-            </a:r>
-            <a:r>
-              <a:rPr lang="en-US" dirty="0"/>
-              <a:t> fails] &lt; </a:t>
-            </a:r>
-            <a:r>
-              <a:rPr lang="en-US" b="1" dirty="0">
-                <a:solidFill>
-                  <a:schemeClr val="accent1"/>
-                </a:solidFill>
-                <a:latin typeface="Bernino Sans" pitchFamily="2" charset="77"/>
-              </a:rPr>
-              <a:t>1/</a:t>
-            </a:r>
-            <a:r>
-              <a:rPr lang="en-US" b="1" i="1" dirty="0">
-                <a:solidFill>
-                  <a:schemeClr val="accent1"/>
-                </a:solidFill>
-                <a:latin typeface="Bernino Sans" pitchFamily="2" charset="77"/>
-              </a:rPr>
-              <a:t>x</a:t>
-            </a:r>
-            <a:r>
-              <a:rPr lang="en-US" b="1" baseline="30000" dirty="0">
-                <a:solidFill>
-                  <a:schemeClr val="accent1"/>
-                </a:solidFill>
-                <a:latin typeface="Bernino Sans" pitchFamily="2" charset="77"/>
-              </a:rPr>
-              <a:t>3</a:t>
-            </a:r>
-            <a:endParaRPr lang="en-US" baseline="30000" dirty="0"/>
-          </a:p>
-          <a:p>
-            <a:pPr lvl="1"/>
-            <a:r>
-              <a:rPr lang="en-US" dirty="0"/>
-              <a:t>P[</a:t>
-            </a:r>
-            <a:r>
-              <a:rPr lang="en-US" i="1" dirty="0"/>
-              <a:t>A</a:t>
-            </a:r>
-            <a:r>
-              <a:rPr lang="en-US" baseline="-25000" dirty="0"/>
-              <a:t>0</a:t>
-            </a:r>
-            <a:r>
-              <a:rPr lang="en-US" dirty="0"/>
-              <a:t> outputs some infrequent label]</a:t>
-            </a:r>
-            <a:br>
-              <a:rPr lang="en-US" dirty="0"/>
-            </a:br>
-            <a:r>
-              <a:rPr lang="en-US" dirty="0"/>
-              <a:t>&lt; </a:t>
-            </a:r>
-            <a:r>
-              <a:rPr lang="en-US" b="1" dirty="0">
-                <a:solidFill>
-                  <a:schemeClr val="accent1"/>
-                </a:solidFill>
-                <a:latin typeface="Bernino Sans" pitchFamily="2" charset="77"/>
-              </a:rPr>
-              <a:t>#labels · #edges · 1/</a:t>
-            </a:r>
-            <a:r>
-              <a:rPr lang="en-US" b="1" i="1" dirty="0">
-                <a:solidFill>
-                  <a:schemeClr val="accent1"/>
-                </a:solidFill>
-                <a:latin typeface="Bernino Sans" pitchFamily="2" charset="77"/>
-              </a:rPr>
-              <a:t>x</a:t>
-            </a:r>
-          </a:p>
-          <a:p>
-            <a:r>
-              <a:rPr lang="en-US" dirty="0"/>
-              <a:t>P[</a:t>
-            </a:r>
-            <a:r>
-              <a:rPr lang="en-US" i="1" dirty="0"/>
-              <a:t>A</a:t>
-            </a:r>
-            <a:r>
-              <a:rPr lang="en-US" baseline="-25000" dirty="0"/>
-              <a:t>1</a:t>
-            </a:r>
-            <a:r>
-              <a:rPr lang="en-US" dirty="0"/>
-              <a:t> fails] &lt; </a:t>
-            </a:r>
-            <a:r>
-              <a:rPr lang="en-US" b="1" dirty="0">
-                <a:solidFill>
-                  <a:schemeClr val="accent2"/>
-                </a:solidFill>
-                <a:latin typeface="Bernino Sans" pitchFamily="2" charset="77"/>
-              </a:rPr>
-              <a:t>constant · 1/</a:t>
-            </a:r>
-            <a:r>
-              <a:rPr lang="en-US" b="1" i="1" dirty="0">
-                <a:solidFill>
-                  <a:schemeClr val="accent2"/>
-                </a:solidFill>
-                <a:latin typeface="Bernino Sans" pitchFamily="2" charset="77"/>
-              </a:rPr>
-              <a:t>x</a:t>
-            </a:r>
-          </a:p>
-        </p:txBody>
-      </p:sp>
-    </p:spTree>
-    <p:extLst>
-      <p:ext uri="{BB962C8B-B14F-4D97-AF65-F5344CB8AC3E}">
-        <p14:creationId xmlns:p14="http://schemas.microsoft.com/office/powerpoint/2010/main" val="1262888060"/>
-      </p:ext>
-    </p:extLst>
-  </p:cSld>
-  <p:clrMapOvr>
-    <a:masterClrMapping/>
-  </p:clrMapOvr>
-</p:sld>
-</file>
-
 <file path=ppt/slides/slide12.xml><?xml version="1.0" encoding="utf-8"?>
 <p:sld xmlns:a="http://schemas.openxmlformats.org/drawingml/2006/main" xmlns:r="http://schemas.openxmlformats.org/officeDocument/2006/relationships" xmlns:p="http://schemas.openxmlformats.org/presentationml/2006/main">
   <p:cSld>
@@ -5738,7 +5763,7 @@
           <p:cNvPr id="2" name="Title 1">
             <a:extLst>
               <a:ext uri="{FF2B5EF4-FFF2-40B4-BE49-F238E27FC236}">
-                <a16:creationId xmlns:a16="http://schemas.microsoft.com/office/drawing/2014/main" id="{E76D9167-6DF5-3845-9F54-179E1CEE7362}"/>
+                <a16:creationId xmlns:a16="http://schemas.microsoft.com/office/drawing/2014/main" id="{110B4C5D-1CA8-7E49-AF9A-2562C8116D71}"/>
               </a:ext>
             </a:extLst>
           </p:cNvPr>
@@ -5749,19 +5774,14 @@
             <p:ph type="title"/>
           </p:nvPr>
         </p:nvSpPr>
-        <p:spPr>
-          <a:xfrm>
-            <a:off x="838200" y="365125"/>
-            <a:ext cx="10515600" cy="1704975"/>
-          </a:xfrm>
-        </p:spPr>
+        <p:spPr/>
         <p:txBody>
           <a:bodyPr/>
           <a:lstStyle/>
           <a:p>
             <a:r>
               <a:rPr lang="en-US" dirty="0"/>
-              <a:t>Randomized round elimination in cycles</a:t>
+              <a:t>Summary</a:t>
             </a:r>
           </a:p>
         </p:txBody>
@@ -5771,7 +5791,7 @@
           <p:cNvPr id="3" name="Content Placeholder 2">
             <a:extLst>
               <a:ext uri="{FF2B5EF4-FFF2-40B4-BE49-F238E27FC236}">
-                <a16:creationId xmlns:a16="http://schemas.microsoft.com/office/drawing/2014/main" id="{08E36B71-4BDB-2A40-9822-9A9301FACAFC}"/>
+                <a16:creationId xmlns:a16="http://schemas.microsoft.com/office/drawing/2014/main" id="{7FA3AFC2-977E-1F48-A6FC-F8029CD176C2}"/>
               </a:ext>
             </a:extLst>
           </p:cNvPr>
@@ -5782,37 +5802,26 @@
             <p:ph idx="1"/>
           </p:nvPr>
         </p:nvSpPr>
-        <p:spPr>
-          <a:xfrm>
-            <a:off x="838200" y="2298699"/>
-            <a:ext cx="10515600" cy="3878263"/>
-          </a:xfrm>
-        </p:spPr>
+        <p:spPr/>
         <p:txBody>
           <a:bodyPr/>
           <a:lstStyle/>
           <a:p>
             <a:r>
-              <a:rPr lang="en-US" b="1" i="1" dirty="0">
-                <a:latin typeface="Bernino Sans" pitchFamily="2" charset="77"/>
-              </a:rPr>
+              <a:rPr lang="en-US" dirty="0"/>
+              <a:t>P[</a:t>
+            </a:r>
+            <a:r>
+              <a:rPr lang="en-US" i="1" dirty="0"/>
               <a:t>A</a:t>
             </a:r>
             <a:r>
-              <a:rPr lang="en-US" b="1" baseline="-25000" dirty="0">
-                <a:latin typeface="Bernino Sans" pitchFamily="2" charset="77"/>
-              </a:rPr>
+              <a:rPr lang="en-US" baseline="-25000" dirty="0"/>
               <a:t>0</a:t>
             </a:r>
             <a:r>
-              <a:rPr lang="en-US" b="1" dirty="0">
-                <a:latin typeface="Bernino Sans" pitchFamily="2" charset="77"/>
-              </a:rPr>
-              <a:t>:</a:t>
-            </a:r>
-            <a:r>
-              <a:rPr lang="en-US" dirty="0"/>
-              <a:t> local failure probability &lt; </a:t>
+              <a:rPr lang="en-US" dirty="0"/>
+              <a:t> fails] &lt; </a:t>
             </a:r>
             <a:r>
               <a:rPr lang="en-US" b="1" dirty="0">
@@ -5841,30 +5850,159 @@
               </a:rPr>
               <a:t>3</a:t>
             </a:r>
+            <a:endParaRPr lang="en-US" baseline="30000" dirty="0">
+              <a:solidFill>
+                <a:schemeClr val="accent2"/>
+              </a:solidFill>
+            </a:endParaRPr>
+          </a:p>
+          <a:p>
+            <a:r>
+              <a:rPr lang="en-US" dirty="0"/>
+              <a:t>Possible </a:t>
+            </a:r>
+            <a:r>
+              <a:rPr lang="en-US" i="1" dirty="0"/>
+              <a:t>A</a:t>
+            </a:r>
+            <a:r>
+              <a:rPr lang="en-US" baseline="-25000" dirty="0"/>
+              <a:t>1</a:t>
+            </a:r>
+            <a:r>
+              <a:rPr lang="en-US" dirty="0"/>
+              <a:t>-failures:</a:t>
+            </a:r>
+          </a:p>
+          <a:p>
+            <a:pPr lvl="1"/>
+            <a:r>
+              <a:rPr lang="en-US" dirty="0"/>
+              <a:t>P[unlucky] &lt; </a:t>
+            </a:r>
+            <a:r>
+              <a:rPr lang="en-US" b="1" dirty="0">
+                <a:solidFill>
+                  <a:schemeClr val="accent1"/>
+                </a:solidFill>
+                <a:latin typeface="Bernino Sans" pitchFamily="2" charset="77"/>
+              </a:rPr>
+              <a:t>1/x</a:t>
+            </a:r>
+            <a:endParaRPr lang="en-US" b="1" i="1" dirty="0">
+              <a:solidFill>
+                <a:schemeClr val="accent1"/>
+              </a:solidFill>
+              <a:latin typeface="Bernino Sans" pitchFamily="2" charset="77"/>
+            </a:endParaRPr>
+          </a:p>
+          <a:p>
+            <a:pPr lvl="1"/>
+            <a:r>
+              <a:rPr lang="en-US" dirty="0"/>
+              <a:t>P[</a:t>
+            </a:r>
+            <a:r>
+              <a:rPr lang="en-US" i="1" dirty="0"/>
+              <a:t>A</a:t>
+            </a:r>
+            <a:r>
+              <a:rPr lang="en-US" baseline="-25000" dirty="0"/>
+              <a:t>0</a:t>
+            </a:r>
+            <a:r>
+              <a:rPr lang="en-US" dirty="0"/>
+              <a:t> fails] &lt; </a:t>
+            </a:r>
+            <a:r>
+              <a:rPr lang="en-US" b="1" dirty="0">
+                <a:solidFill>
+                  <a:schemeClr val="accent1"/>
+                </a:solidFill>
+                <a:latin typeface="Bernino Sans" pitchFamily="2" charset="77"/>
+              </a:rPr>
+              <a:t>1/</a:t>
+            </a:r>
+            <a:r>
+              <a:rPr lang="en-US" b="1" i="1" dirty="0">
+                <a:solidFill>
+                  <a:schemeClr val="accent1"/>
+                </a:solidFill>
+                <a:latin typeface="Bernino Sans" pitchFamily="2" charset="77"/>
+              </a:rPr>
+              <a:t>x</a:t>
+            </a:r>
+            <a:r>
+              <a:rPr lang="en-US" b="1" baseline="30000" dirty="0">
+                <a:solidFill>
+                  <a:schemeClr val="accent1"/>
+                </a:solidFill>
+                <a:latin typeface="Bernino Sans" pitchFamily="2" charset="77"/>
+              </a:rPr>
+              <a:t>3</a:t>
+            </a:r>
             <a:endParaRPr lang="en-US" baseline="30000" dirty="0"/>
           </a:p>
           <a:p>
+            <a:pPr lvl="1"/>
+            <a:r>
+              <a:rPr lang="en-US" dirty="0"/>
+              <a:t>P[</a:t>
+            </a:r>
+            <a:r>
+              <a:rPr lang="en-US" i="1" dirty="0"/>
+              <a:t>A</a:t>
+            </a:r>
+            <a:r>
+              <a:rPr lang="en-US" baseline="-25000" dirty="0"/>
+              <a:t>0</a:t>
+            </a:r>
+            <a:r>
+              <a:rPr lang="en-US" dirty="0"/>
+              <a:t> outputs some infrequent label]</a:t>
+            </a:r>
+            <a:br>
+              <a:rPr lang="en-US" dirty="0"/>
+            </a:br>
+            <a:r>
+              <a:rPr lang="en-US" dirty="0"/>
+              <a:t>&lt; </a:t>
+            </a:r>
+            <a:r>
+              <a:rPr lang="en-US" b="1" dirty="0">
+                <a:solidFill>
+                  <a:schemeClr val="accent1"/>
+                </a:solidFill>
+                <a:latin typeface="Bernino Sans" pitchFamily="2" charset="77"/>
+              </a:rPr>
+              <a:t>#labels · #edges · 1/</a:t>
+            </a:r>
             <a:r>
               <a:rPr lang="en-US" b="1" i="1" dirty="0">
+                <a:solidFill>
+                  <a:schemeClr val="accent1"/>
+                </a:solidFill>
                 <a:latin typeface="Bernino Sans" pitchFamily="2" charset="77"/>
               </a:rPr>
+              <a:t>x</a:t>
+            </a:r>
+          </a:p>
+          <a:p>
+            <a:r>
+              <a:rPr lang="en-US" dirty="0"/>
+              <a:t>P[</a:t>
+            </a:r>
+            <a:r>
+              <a:rPr lang="en-US" i="1" dirty="0"/>
               <a:t>A</a:t>
             </a:r>
             <a:r>
-              <a:rPr lang="en-US" b="1" baseline="-25000" dirty="0">
-                <a:latin typeface="Bernino Sans" pitchFamily="2" charset="77"/>
-              </a:rPr>
+              <a:rPr lang="en-US" baseline="-25000" dirty="0"/>
               <a:t>1</a:t>
             </a:r>
             <a:r>
-              <a:rPr lang="en-US" b="1" dirty="0">
-                <a:latin typeface="Bernino Sans" pitchFamily="2" charset="77"/>
-              </a:rPr>
-              <a:t>:</a:t>
-            </a:r>
-            <a:r>
-              <a:rPr lang="en-US" dirty="0"/>
-              <a:t> local failure probability &lt; </a:t>
+              <a:rPr lang="en-US" dirty="0"/>
+              <a:t> fails] &lt; </a:t>
             </a:r>
             <a:r>
               <a:rPr lang="en-US" b="1" dirty="0">
@@ -5884,50 +6022,13 @@
               </a:rPr>
               <a:t>x</a:t>
             </a:r>
-            <a:endParaRPr lang="en-US" i="1" dirty="0"/>
-          </a:p>
-          <a:p>
-            <a:r>
-              <a:rPr lang="en-US" dirty="0"/>
-              <a:t>Failure probability increases </a:t>
-            </a:r>
-            <a:r>
-              <a:rPr lang="en-US" dirty="0" err="1"/>
-              <a:t>polynomially</a:t>
-            </a:r>
-            <a:endParaRPr lang="en-US" dirty="0"/>
-          </a:p>
-          <a:p>
-            <a:r>
-              <a:rPr lang="en-US" dirty="0"/>
-              <a:t>We can repeat this many times</a:t>
-            </a:r>
-            <a:br>
-              <a:rPr lang="en-US" dirty="0"/>
-            </a:br>
-            <a:r>
-              <a:rPr lang="en-US" dirty="0"/>
-              <a:t>before </a:t>
-            </a:r>
-            <a:r>
-              <a:rPr lang="en-US" i="1" dirty="0"/>
-              <a:t>A</a:t>
-            </a:r>
-            <a:r>
-              <a:rPr lang="en-US" i="1" baseline="-25000" dirty="0"/>
-              <a:t>k</a:t>
-            </a:r>
-            <a:r>
-              <a:rPr lang="en-US" dirty="0"/>
-              <a:t> becomes useless</a:t>
-            </a:r>
           </a:p>
         </p:txBody>
       </p:sp>
     </p:spTree>
     <p:extLst>
       <p:ext uri="{BB962C8B-B14F-4D97-AF65-F5344CB8AC3E}">
-        <p14:creationId xmlns:p14="http://schemas.microsoft.com/office/powerpoint/2010/main" val="77224747"/>
+        <p14:creationId xmlns:p14="http://schemas.microsoft.com/office/powerpoint/2010/main" val="1262888060"/>
       </p:ext>
     </p:extLst>
   </p:cSld>
@@ -5959,7 +6060,7 @@
           <p:cNvPr id="2" name="Title 1">
             <a:extLst>
               <a:ext uri="{FF2B5EF4-FFF2-40B4-BE49-F238E27FC236}">
-                <a16:creationId xmlns:a16="http://schemas.microsoft.com/office/drawing/2014/main" id="{382D7CA2-FAA8-D843-9D23-51A1A95729B7}"/>
+                <a16:creationId xmlns:a16="http://schemas.microsoft.com/office/drawing/2014/main" id="{E76D9167-6DF5-3845-9F54-179E1CEE7362}"/>
               </a:ext>
             </a:extLst>
           </p:cNvPr>
@@ -5970,14 +6071,19 @@
             <p:ph type="title"/>
           </p:nvPr>
         </p:nvSpPr>
-        <p:spPr/>
+        <p:spPr>
+          <a:xfrm>
+            <a:off x="838200" y="365125"/>
+            <a:ext cx="10515600" cy="1704975"/>
+          </a:xfrm>
+        </p:spPr>
         <p:txBody>
           <a:bodyPr/>
           <a:lstStyle/>
           <a:p>
             <a:r>
               <a:rPr lang="en-US" dirty="0"/>
-              <a:t>What works very often</a:t>
+              <a:t>Randomized round elimination in cycles</a:t>
             </a:r>
           </a:p>
         </p:txBody>
@@ -5987,7 +6093,7 @@
           <p:cNvPr id="3" name="Content Placeholder 2">
             <a:extLst>
               <a:ext uri="{FF2B5EF4-FFF2-40B4-BE49-F238E27FC236}">
-                <a16:creationId xmlns:a16="http://schemas.microsoft.com/office/drawing/2014/main" id="{AF34C4A1-3756-124A-B412-0ACB99E35DCD}"/>
+                <a16:creationId xmlns:a16="http://schemas.microsoft.com/office/drawing/2014/main" id="{08E36B71-4BDB-2A40-9822-9A9301FACAFC}"/>
               </a:ext>
             </a:extLst>
           </p:cNvPr>
@@ -5998,47 +6104,144 @@
             <p:ph idx="1"/>
           </p:nvPr>
         </p:nvSpPr>
-        <p:spPr/>
+        <p:spPr>
+          <a:xfrm>
+            <a:off x="838200" y="2298699"/>
+            <a:ext cx="10515600" cy="3878263"/>
+          </a:xfrm>
+        </p:spPr>
         <p:txBody>
           <a:bodyPr/>
           <a:lstStyle/>
           <a:p>
             <a:r>
-              <a:rPr lang="en-US" dirty="0"/>
-              <a:t>Do round elimination in deterministic PN model</a:t>
-            </a:r>
-          </a:p>
-          <a:p>
-            <a:pPr lvl="1"/>
-            <a:r>
-              <a:rPr lang="en-US" dirty="0"/>
-              <a:t>gain intuition on how the problem behaves</a:t>
-            </a:r>
-          </a:p>
-          <a:p>
-            <a:r>
-              <a:rPr lang="en-US" dirty="0"/>
-              <a:t>Then switch to randomized PN model</a:t>
-            </a:r>
-          </a:p>
-          <a:p>
-            <a:pPr lvl="1"/>
-            <a:r>
-              <a:rPr lang="en-US" dirty="0"/>
-              <a:t>proper analysis of failure probabilities</a:t>
-            </a:r>
-          </a:p>
-          <a:p>
-            <a:r>
-              <a:rPr lang="en-US" dirty="0"/>
-              <a:t>Results for deterministic &amp; randomized LOCAL</a:t>
+              <a:rPr lang="en-US" b="1" i="1" dirty="0">
+                <a:latin typeface="Bernino Sans" pitchFamily="2" charset="77"/>
+              </a:rPr>
+              <a:t>A</a:t>
+            </a:r>
+            <a:r>
+              <a:rPr lang="en-US" b="1" baseline="-25000" dirty="0">
+                <a:latin typeface="Bernino Sans" pitchFamily="2" charset="77"/>
+              </a:rPr>
+              <a:t>0</a:t>
+            </a:r>
+            <a:r>
+              <a:rPr lang="en-US" b="1" dirty="0">
+                <a:latin typeface="Bernino Sans" pitchFamily="2" charset="77"/>
+              </a:rPr>
+              <a:t>:</a:t>
+            </a:r>
+            <a:r>
+              <a:rPr lang="en-US" dirty="0"/>
+              <a:t> local failure probability &lt; </a:t>
+            </a:r>
+            <a:r>
+              <a:rPr lang="en-US" b="1" dirty="0">
+                <a:solidFill>
+                  <a:schemeClr val="accent2"/>
+                </a:solidFill>
+                <a:latin typeface="Bernino Sans" pitchFamily="2" charset="77"/>
+              </a:rPr>
+              <a:t>1/</a:t>
+            </a:r>
+            <a:r>
+              <a:rPr lang="en-US" b="1" i="1" dirty="0">
+                <a:solidFill>
+                  <a:schemeClr val="accent2"/>
+                </a:solidFill>
+                <a:latin typeface="Bernino Sans" pitchFamily="2" charset="77"/>
+              </a:rPr>
+              <a:t>x</a:t>
+            </a:r>
+            <a:r>
+              <a:rPr lang="en-US" b="1" baseline="30000" dirty="0">
+                <a:solidFill>
+                  <a:schemeClr val="accent2"/>
+                </a:solidFill>
+                <a:latin typeface="Bernino Sans" pitchFamily="2" charset="77"/>
+              </a:rPr>
+              <a:t>3</a:t>
+            </a:r>
+            <a:endParaRPr lang="en-US" baseline="30000" dirty="0"/>
+          </a:p>
+          <a:p>
+            <a:r>
+              <a:rPr lang="en-US" b="1" i="1" dirty="0">
+                <a:latin typeface="Bernino Sans" pitchFamily="2" charset="77"/>
+              </a:rPr>
+              <a:t>A</a:t>
+            </a:r>
+            <a:r>
+              <a:rPr lang="en-US" b="1" baseline="-25000" dirty="0">
+                <a:latin typeface="Bernino Sans" pitchFamily="2" charset="77"/>
+              </a:rPr>
+              <a:t>1</a:t>
+            </a:r>
+            <a:r>
+              <a:rPr lang="en-US" b="1" dirty="0">
+                <a:latin typeface="Bernino Sans" pitchFamily="2" charset="77"/>
+              </a:rPr>
+              <a:t>:</a:t>
+            </a:r>
+            <a:r>
+              <a:rPr lang="en-US" dirty="0"/>
+              <a:t> local failure probability &lt; </a:t>
+            </a:r>
+            <a:r>
+              <a:rPr lang="en-US" b="1" dirty="0">
+                <a:solidFill>
+                  <a:schemeClr val="accent2"/>
+                </a:solidFill>
+                <a:latin typeface="Bernino Sans" pitchFamily="2" charset="77"/>
+              </a:rPr>
+              <a:t>constant · 1/</a:t>
+            </a:r>
+            <a:r>
+              <a:rPr lang="en-US" b="1" i="1" dirty="0">
+                <a:solidFill>
+                  <a:schemeClr val="accent2"/>
+                </a:solidFill>
+                <a:latin typeface="Bernino Sans" pitchFamily="2" charset="77"/>
+              </a:rPr>
+              <a:t>x</a:t>
+            </a:r>
+            <a:endParaRPr lang="en-US" i="1" dirty="0"/>
+          </a:p>
+          <a:p>
+            <a:r>
+              <a:rPr lang="en-US" dirty="0"/>
+              <a:t>Failure probability increases </a:t>
+            </a:r>
+            <a:r>
+              <a:rPr lang="en-US" dirty="0" err="1"/>
+              <a:t>polynomially</a:t>
+            </a:r>
+            <a:endParaRPr lang="en-US" dirty="0"/>
+          </a:p>
+          <a:p>
+            <a:r>
+              <a:rPr lang="en-US" dirty="0"/>
+              <a:t>We can repeat this many times</a:t>
             </a:r>
             <a:br>
               <a:rPr lang="en-US" dirty="0"/>
             </a:br>
             <a:r>
               <a:rPr lang="en-US" dirty="0"/>
-              <a:t>follow directly</a:t>
+              <a:t>before </a:t>
+            </a:r>
+            <a:r>
+              <a:rPr lang="en-US" i="1" dirty="0"/>
+              <a:t>A</a:t>
+            </a:r>
+            <a:r>
+              <a:rPr lang="en-US" i="1" baseline="-25000" dirty="0"/>
+              <a:t>k</a:t>
+            </a:r>
+            <a:r>
+              <a:rPr lang="en-US" dirty="0"/>
+              <a:t> becomes useless</a:t>
             </a:r>
           </a:p>
         </p:txBody>
@@ -6046,7 +6249,7 @@
     </p:spTree>
     <p:extLst>
       <p:ext uri="{BB962C8B-B14F-4D97-AF65-F5344CB8AC3E}">
-        <p14:creationId xmlns:p14="http://schemas.microsoft.com/office/powerpoint/2010/main" val="2525884162"/>
+        <p14:creationId xmlns:p14="http://schemas.microsoft.com/office/powerpoint/2010/main" val="77224747"/>
       </p:ext>
     </p:extLst>
   </p:cSld>
@@ -6075,10 +6278,38 @@
       </p:grpSpPr>
       <p:sp>
         <p:nvSpPr>
-          <p:cNvPr id="6" name="Content Placeholder 5">
-            <a:extLst>
-              <a:ext uri="{FF2B5EF4-FFF2-40B4-BE49-F238E27FC236}">
-                <a16:creationId xmlns:a16="http://schemas.microsoft.com/office/drawing/2014/main" id="{0F9F137E-DA15-5A45-AA0B-FD4B32B57F70}"/>
+          <p:cNvPr id="2" name="Title 1">
+            <a:extLst>
+              <a:ext uri="{FF2B5EF4-FFF2-40B4-BE49-F238E27FC236}">
+                <a16:creationId xmlns:a16="http://schemas.microsoft.com/office/drawing/2014/main" id="{382D7CA2-FAA8-D843-9D23-51A1A95729B7}"/>
+              </a:ext>
+            </a:extLst>
+          </p:cNvPr>
+          <p:cNvSpPr>
+            <a:spLocks noGrp="1"/>
+          </p:cNvSpPr>
+          <p:nvPr>
+            <p:ph type="title"/>
+          </p:nvPr>
+        </p:nvSpPr>
+        <p:spPr/>
+        <p:txBody>
+          <a:bodyPr/>
+          <a:lstStyle/>
+          <a:p>
+            <a:r>
+              <a:rPr lang="en-US" dirty="0"/>
+              <a:t>What works very often</a:t>
+            </a:r>
+          </a:p>
+        </p:txBody>
+      </p:sp>
+      <p:sp>
+        <p:nvSpPr>
+          <p:cNvPr id="3" name="Content Placeholder 2">
+            <a:extLst>
+              <a:ext uri="{FF2B5EF4-FFF2-40B4-BE49-F238E27FC236}">
+                <a16:creationId xmlns:a16="http://schemas.microsoft.com/office/drawing/2014/main" id="{AF34C4A1-3756-124A-B412-0ACB99E35DCD}"/>
               </a:ext>
             </a:extLst>
           </p:cNvPr>
@@ -6091,60 +6322,53 @@
         </p:nvSpPr>
         <p:spPr/>
         <p:txBody>
-          <a:bodyPr anchor="ctr"/>
+          <a:bodyPr/>
           <a:lstStyle/>
           <a:p>
-            <a:pPr marL="0" indent="0">
-              <a:spcBef>
-                <a:spcPts val="8000"/>
-              </a:spcBef>
-              <a:buNone/>
-            </a:pPr>
-            <a:r>
-              <a:rPr lang="en-US" sz="7200" dirty="0">
-                <a:latin typeface="Bernina Sans Light" pitchFamily="2" charset="77"/>
-              </a:rPr>
-              <a:t>Case study: </a:t>
-            </a:r>
-            <a:r>
-              <a:rPr lang="en-US" sz="7200" b="1" dirty="0">
-                <a:solidFill>
-                  <a:schemeClr val="accent1"/>
-                </a:solidFill>
-                <a:latin typeface="Bernina Sans Extrabold" pitchFamily="2" charset="77"/>
-              </a:rPr>
-              <a:t>Coloring</a:t>
+            <a:r>
+              <a:rPr lang="en-US" dirty="0"/>
+              <a:t>Do round elimination in deterministic PN model</a:t>
+            </a:r>
+          </a:p>
+          <a:p>
+            <a:pPr lvl="1"/>
+            <a:r>
+              <a:rPr lang="en-US" dirty="0"/>
+              <a:t>gain intuition on how the problem behaves</a:t>
+            </a:r>
+          </a:p>
+          <a:p>
+            <a:r>
+              <a:rPr lang="en-US" dirty="0"/>
+              <a:t>Then switch to randomized PN model</a:t>
+            </a:r>
+          </a:p>
+          <a:p>
+            <a:pPr lvl="1"/>
+            <a:r>
+              <a:rPr lang="en-US" dirty="0"/>
+              <a:t>proper analysis of failure probabilities</a:t>
+            </a:r>
+          </a:p>
+          <a:p>
+            <a:r>
+              <a:rPr lang="en-US" dirty="0"/>
+              <a:t>Results for deterministic &amp; randomized LOCAL</a:t>
             </a:r>
             <a:br>
-              <a:rPr lang="en-US" sz="7200" b="1" dirty="0">
-                <a:solidFill>
-                  <a:schemeClr val="accent1"/>
-                </a:solidFill>
-                <a:latin typeface="Bernina Sans Extrabold" pitchFamily="2" charset="77"/>
-              </a:rPr>
+              <a:rPr lang="en-US" dirty="0"/>
             </a:br>
             <a:r>
-              <a:rPr lang="en-US" sz="7200" b="1" dirty="0">
-                <a:solidFill>
-                  <a:schemeClr val="accent1"/>
-                </a:solidFill>
-                <a:latin typeface="Bernina Sans Extrabold" pitchFamily="2" charset="77"/>
-              </a:rPr>
-              <a:t>directed cycles</a:t>
-            </a:r>
-            <a:endParaRPr lang="en-US" sz="7200" b="1" dirty="0">
-              <a:solidFill>
-                <a:schemeClr val="bg1"/>
-              </a:solidFill>
-              <a:latin typeface="Bernina Sans Extrabold" pitchFamily="2" charset="77"/>
-            </a:endParaRPr>
+              <a:rPr lang="en-US" dirty="0"/>
+              <a:t>follow directly</a:t>
+            </a:r>
           </a:p>
         </p:txBody>
       </p:sp>
     </p:spTree>
     <p:extLst>
       <p:ext uri="{BB962C8B-B14F-4D97-AF65-F5344CB8AC3E}">
-        <p14:creationId xmlns:p14="http://schemas.microsoft.com/office/powerpoint/2010/main" val="2956223343"/>
+        <p14:creationId xmlns:p14="http://schemas.microsoft.com/office/powerpoint/2010/main" val="2525884162"/>
       </p:ext>
     </p:extLst>
   </p:cSld>
@@ -6155,6 +6379,104 @@
 </file>
 
 <file path=ppt/slides/slide15.xml><?xml version="1.0" encoding="utf-8"?>
+<p:sld xmlns:a="http://schemas.openxmlformats.org/drawingml/2006/main" xmlns:r="http://schemas.openxmlformats.org/officeDocument/2006/relationships" xmlns:p="http://schemas.openxmlformats.org/presentationml/2006/main">
+  <p:cSld>
+    <p:spTree>
+      <p:nvGrpSpPr>
+        <p:cNvPr id="1" name=""/>
+        <p:cNvGrpSpPr/>
+        <p:nvPr/>
+      </p:nvGrpSpPr>
+      <p:grpSpPr>
+        <a:xfrm>
+          <a:off x="0" y="0"/>
+          <a:ext cx="0" cy="0"/>
+          <a:chOff x="0" y="0"/>
+          <a:chExt cx="0" cy="0"/>
+        </a:xfrm>
+      </p:grpSpPr>
+      <p:sp>
+        <p:nvSpPr>
+          <p:cNvPr id="6" name="Content Placeholder 5">
+            <a:extLst>
+              <a:ext uri="{FF2B5EF4-FFF2-40B4-BE49-F238E27FC236}">
+                <a16:creationId xmlns:a16="http://schemas.microsoft.com/office/drawing/2014/main" id="{0F9F137E-DA15-5A45-AA0B-FD4B32B57F70}"/>
+              </a:ext>
+            </a:extLst>
+          </p:cNvPr>
+          <p:cNvSpPr>
+            <a:spLocks noGrp="1"/>
+          </p:cNvSpPr>
+          <p:nvPr>
+            <p:ph idx="1"/>
+          </p:nvPr>
+        </p:nvSpPr>
+        <p:spPr/>
+        <p:txBody>
+          <a:bodyPr anchor="ctr"/>
+          <a:lstStyle/>
+          <a:p>
+            <a:pPr marL="0" indent="0">
+              <a:spcBef>
+                <a:spcPts val="8000"/>
+              </a:spcBef>
+              <a:buNone/>
+            </a:pPr>
+            <a:r>
+              <a:rPr lang="en-US" sz="7200" dirty="0">
+                <a:latin typeface="Bernina Sans Light" pitchFamily="2" charset="77"/>
+              </a:rPr>
+              <a:t>Case study: </a:t>
+            </a:r>
+            <a:r>
+              <a:rPr lang="en-US" sz="7200" b="1" dirty="0">
+                <a:solidFill>
+                  <a:schemeClr val="accent1"/>
+                </a:solidFill>
+                <a:latin typeface="Bernina Sans Extrabold" pitchFamily="2" charset="77"/>
+              </a:rPr>
+              <a:t>Coloring</a:t>
+            </a:r>
+            <a:br>
+              <a:rPr lang="en-US" sz="7200" b="1" dirty="0">
+                <a:solidFill>
+                  <a:schemeClr val="accent1"/>
+                </a:solidFill>
+                <a:latin typeface="Bernina Sans Extrabold" pitchFamily="2" charset="77"/>
+              </a:rPr>
+            </a:br>
+            <a:r>
+              <a:rPr lang="en-US" sz="7200" b="1" dirty="0">
+                <a:solidFill>
+                  <a:schemeClr val="accent1"/>
+                </a:solidFill>
+                <a:latin typeface="Bernina Sans Extrabold" pitchFamily="2" charset="77"/>
+              </a:rPr>
+              <a:t>directed cycles</a:t>
+            </a:r>
+            <a:endParaRPr lang="en-US" sz="7200" b="1" dirty="0">
+              <a:solidFill>
+                <a:schemeClr val="bg1"/>
+              </a:solidFill>
+              <a:latin typeface="Bernina Sans Extrabold" pitchFamily="2" charset="77"/>
+            </a:endParaRPr>
+          </a:p>
+        </p:txBody>
+      </p:sp>
+    </p:spTree>
+    <p:extLst>
+      <p:ext uri="{BB962C8B-B14F-4D97-AF65-F5344CB8AC3E}">
+        <p14:creationId xmlns:p14="http://schemas.microsoft.com/office/powerpoint/2010/main" val="2505113362"/>
+      </p:ext>
+    </p:extLst>
+  </p:cSld>
+  <p:clrMapOvr>
+    <a:masterClrMapping/>
+  </p:clrMapOvr>
+</p:sld>
+</file>
+
+<file path=ppt/slides/slide16.xml><?xml version="1.0" encoding="utf-8"?>
 <p:sld xmlns:a="http://schemas.openxmlformats.org/drawingml/2006/main" xmlns:r="http://schemas.openxmlformats.org/officeDocument/2006/relationships" xmlns:p="http://schemas.openxmlformats.org/presentationml/2006/main">
   <p:cSld>
     <p:spTree>
@@ -7601,7 +7923,7 @@
 </p:sld>
 </file>
 
-<file path=ppt/slides/slide16.xml><?xml version="1.0" encoding="utf-8"?>
+<file path=ppt/slides/slide17.xml><?xml version="1.0" encoding="utf-8"?>
 <p:sld xmlns:a="http://schemas.openxmlformats.org/drawingml/2006/main" xmlns:r="http://schemas.openxmlformats.org/officeDocument/2006/relationships" xmlns:p="http://schemas.openxmlformats.org/presentationml/2006/main">
   <p:cSld>
     <p:spTree>
@@ -9277,7 +9599,7 @@
 </p:sld>
 </file>
 
-<file path=ppt/slides/slide17.xml><?xml version="1.0" encoding="utf-8"?>
+<file path=ppt/slides/slide18.xml><?xml version="1.0" encoding="utf-8"?>
 <p:sld xmlns:a="http://schemas.openxmlformats.org/drawingml/2006/main" xmlns:r="http://schemas.openxmlformats.org/officeDocument/2006/relationships" xmlns:p="http://schemas.openxmlformats.org/presentationml/2006/main">
   <p:cSld>
     <p:spTree>
@@ -10411,6 +10733,109 @@
       </p:grpSpPr>
       <p:sp>
         <p:nvSpPr>
+          <p:cNvPr id="6" name="Content Placeholder 5">
+            <a:extLst>
+              <a:ext uri="{FF2B5EF4-FFF2-40B4-BE49-F238E27FC236}">
+                <a16:creationId xmlns:a16="http://schemas.microsoft.com/office/drawing/2014/main" id="{0F9F137E-DA15-5A45-AA0B-FD4B32B57F70}"/>
+              </a:ext>
+            </a:extLst>
+          </p:cNvPr>
+          <p:cNvSpPr>
+            <a:spLocks noGrp="1"/>
+          </p:cNvSpPr>
+          <p:nvPr>
+            <p:ph idx="1"/>
+          </p:nvPr>
+        </p:nvSpPr>
+        <p:spPr/>
+        <p:txBody>
+          <a:bodyPr anchor="ctr"/>
+          <a:lstStyle/>
+          <a:p>
+            <a:pPr marL="0" indent="0">
+              <a:spcBef>
+                <a:spcPts val="8000"/>
+              </a:spcBef>
+              <a:buNone/>
+            </a:pPr>
+            <a:r>
+              <a:rPr lang="en-US" sz="7200" dirty="0">
+                <a:latin typeface="Bernina Sans Light" pitchFamily="2" charset="77"/>
+              </a:rPr>
+              <a:t>General idea:</a:t>
+            </a:r>
+            <a:br>
+              <a:rPr lang="en-US" sz="7200" dirty="0">
+                <a:latin typeface="Bernina Sans Light" pitchFamily="2" charset="77"/>
+              </a:rPr>
+            </a:br>
+            <a:r>
+              <a:rPr lang="en-US" sz="7200" b="1" dirty="0">
+                <a:solidFill>
+                  <a:schemeClr val="accent1"/>
+                </a:solidFill>
+                <a:latin typeface="Bernina Sans Extrabold" pitchFamily="2" charset="77"/>
+              </a:rPr>
+              <a:t>Randomized</a:t>
+            </a:r>
+            <a:br>
+              <a:rPr lang="en-US" sz="7200" b="1" dirty="0">
+                <a:solidFill>
+                  <a:schemeClr val="accent1"/>
+                </a:solidFill>
+                <a:latin typeface="Bernina Sans Extrabold" pitchFamily="2" charset="77"/>
+              </a:rPr>
+            </a:br>
+            <a:r>
+              <a:rPr lang="en-US" sz="7200" b="1" dirty="0">
+                <a:solidFill>
+                  <a:schemeClr val="accent1"/>
+                </a:solidFill>
+                <a:latin typeface="Bernina Sans Extrabold" pitchFamily="2" charset="77"/>
+              </a:rPr>
+              <a:t>round elimination</a:t>
+            </a:r>
+            <a:endParaRPr lang="en-US" sz="7200" b="1" dirty="0">
+              <a:solidFill>
+                <a:schemeClr val="bg1"/>
+              </a:solidFill>
+              <a:latin typeface="Bernina Sans Extrabold" pitchFamily="2" charset="77"/>
+            </a:endParaRPr>
+          </a:p>
+        </p:txBody>
+      </p:sp>
+    </p:spTree>
+    <p:extLst>
+      <p:ext uri="{BB962C8B-B14F-4D97-AF65-F5344CB8AC3E}">
+        <p14:creationId xmlns:p14="http://schemas.microsoft.com/office/powerpoint/2010/main" val="2956223343"/>
+      </p:ext>
+    </p:extLst>
+  </p:cSld>
+  <p:clrMapOvr>
+    <a:masterClrMapping/>
+  </p:clrMapOvr>
+</p:sld>
+</file>
+
+<file path=ppt/slides/slide5.xml><?xml version="1.0" encoding="utf-8"?>
+<p:sld xmlns:a="http://schemas.openxmlformats.org/drawingml/2006/main" xmlns:r="http://schemas.openxmlformats.org/officeDocument/2006/relationships" xmlns:p="http://schemas.openxmlformats.org/presentationml/2006/main">
+  <p:cSld>
+    <p:spTree>
+      <p:nvGrpSpPr>
+        <p:cNvPr id="1" name=""/>
+        <p:cNvGrpSpPr/>
+        <p:nvPr/>
+      </p:nvGrpSpPr>
+      <p:grpSpPr>
+        <a:xfrm>
+          <a:off x="0" y="0"/>
+          <a:ext cx="0" cy="0"/>
+          <a:chOff x="0" y="0"/>
+          <a:chExt cx="0" cy="0"/>
+        </a:xfrm>
+      </p:grpSpPr>
+      <p:sp>
+        <p:nvSpPr>
           <p:cNvPr id="2" name="Title 1">
             <a:extLst>
               <a:ext uri="{FF2B5EF4-FFF2-40B4-BE49-F238E27FC236}">
@@ -10739,7 +11164,7 @@
 </p:sld>
 </file>
 
-<file path=ppt/slides/slide5.xml><?xml version="1.0" encoding="utf-8"?>
+<file path=ppt/slides/slide6.xml><?xml version="1.0" encoding="utf-8"?>
 <p:sld xmlns:a="http://schemas.openxmlformats.org/drawingml/2006/main" xmlns:r="http://schemas.openxmlformats.org/officeDocument/2006/relationships" xmlns:p="http://schemas.openxmlformats.org/presentationml/2006/main">
   <p:cSld>
     <p:spTree>
@@ -10848,7 +11273,7 @@
 </p:sld>
 </file>
 
-<file path=ppt/slides/slide6.xml><?xml version="1.0" encoding="utf-8"?>
+<file path=ppt/slides/slide7.xml><?xml version="1.0" encoding="utf-8"?>
 <p:sld xmlns:a="http://schemas.openxmlformats.org/drawingml/2006/main" xmlns:r="http://schemas.openxmlformats.org/officeDocument/2006/relationships" xmlns:p="http://schemas.openxmlformats.org/presentationml/2006/main">
   <p:cSld>
     <p:spTree>
@@ -11499,7 +11924,7 @@
 </p:sld>
 </file>
 
-<file path=ppt/slides/slide7.xml><?xml version="1.0" encoding="utf-8"?>
+<file path=ppt/slides/slide8.xml><?xml version="1.0" encoding="utf-8"?>
 <p:sld xmlns:a="http://schemas.openxmlformats.org/drawingml/2006/main" xmlns:r="http://schemas.openxmlformats.org/officeDocument/2006/relationships" xmlns:p="http://schemas.openxmlformats.org/presentationml/2006/main">
   <p:cSld>
     <p:spTree>
@@ -11674,7 +12099,7 @@
 </p:sld>
 </file>
 
-<file path=ppt/slides/slide8.xml><?xml version="1.0" encoding="utf-8"?>
+<file path=ppt/slides/slide9.xml><?xml version="1.0" encoding="utf-8"?>
 <p:sld xmlns:a="http://schemas.openxmlformats.org/drawingml/2006/main" xmlns:r="http://schemas.openxmlformats.org/officeDocument/2006/relationships" xmlns:p="http://schemas.openxmlformats.org/presentationml/2006/main">
   <p:cSld>
     <p:spTree>
@@ -12106,327 +12531,6 @@
                                           <p:spTgt spid="3">
                                             <p:txEl>
                                               <p:pRg st="6" end="6"/>
-                                            </p:txEl>
-                                          </p:spTgt>
-                                        </p:tgtEl>
-                                        <p:attrNameLst>
-                                          <p:attrName>style.visibility</p:attrName>
-                                        </p:attrNameLst>
-                                      </p:cBhvr>
-                                      <p:to>
-                                        <p:strVal val="visible"/>
-                                      </p:to>
-                                    </p:set>
-                                  </p:childTnLst>
-                                </p:cTn>
-                              </p:par>
-                            </p:childTnLst>
-                          </p:cTn>
-                        </p:par>
-                      </p:childTnLst>
-                    </p:cTn>
-                  </p:par>
-                </p:childTnLst>
-              </p:cTn>
-              <p:prevCondLst>
-                <p:cond evt="onPrev" delay="0">
-                  <p:tgtEl>
-                    <p:sldTgt/>
-                  </p:tgtEl>
-                </p:cond>
-              </p:prevCondLst>
-              <p:nextCondLst>
-                <p:cond evt="onNext" delay="0">
-                  <p:tgtEl>
-                    <p:sldTgt/>
-                  </p:tgtEl>
-                </p:cond>
-              </p:nextCondLst>
-            </p:seq>
-          </p:childTnLst>
-        </p:cTn>
-      </p:par>
-    </p:tnLst>
-  </p:timing>
-</p:sld>
-</file>
-
-<file path=ppt/slides/slide9.xml><?xml version="1.0" encoding="utf-8"?>
-<p:sld xmlns:a="http://schemas.openxmlformats.org/drawingml/2006/main" xmlns:r="http://schemas.openxmlformats.org/officeDocument/2006/relationships" xmlns:p="http://schemas.openxmlformats.org/presentationml/2006/main">
-  <p:cSld>
-    <p:spTree>
-      <p:nvGrpSpPr>
-        <p:cNvPr id="1" name=""/>
-        <p:cNvGrpSpPr/>
-        <p:nvPr/>
-      </p:nvGrpSpPr>
-      <p:grpSpPr>
-        <a:xfrm>
-          <a:off x="0" y="0"/>
-          <a:ext cx="0" cy="0"/>
-          <a:chOff x="0" y="0"/>
-          <a:chExt cx="0" cy="0"/>
-        </a:xfrm>
-      </p:grpSpPr>
-      <p:sp>
-        <p:nvSpPr>
-          <p:cNvPr id="2" name="Title 1">
-            <a:extLst>
-              <a:ext uri="{FF2B5EF4-FFF2-40B4-BE49-F238E27FC236}">
-                <a16:creationId xmlns:a16="http://schemas.microsoft.com/office/drawing/2014/main" id="{4FD1F2FC-D4D5-8D4E-B775-5BA2E9C03F38}"/>
-              </a:ext>
-            </a:extLst>
-          </p:cNvPr>
-          <p:cNvSpPr>
-            <a:spLocks noGrp="1"/>
-          </p:cNvSpPr>
-          <p:nvPr>
-            <p:ph type="title"/>
-          </p:nvPr>
-        </p:nvSpPr>
-        <p:spPr/>
-        <p:txBody>
-          <a:bodyPr/>
-          <a:lstStyle/>
-          <a:p>
-            <a:r>
-              <a:rPr lang="en-US" dirty="0"/>
-              <a:t>Lucky neighborhoods</a:t>
-            </a:r>
-          </a:p>
-        </p:txBody>
-      </p:sp>
-      <p:sp>
-        <p:nvSpPr>
-          <p:cNvPr id="3" name="Content Placeholder 2">
-            <a:extLst>
-              <a:ext uri="{FF2B5EF4-FFF2-40B4-BE49-F238E27FC236}">
-                <a16:creationId xmlns:a16="http://schemas.microsoft.com/office/drawing/2014/main" id="{8B7579B4-FE2A-C649-8BBF-EC7D2304DBF5}"/>
-              </a:ext>
-            </a:extLst>
-          </p:cNvPr>
-          <p:cNvSpPr>
-            <a:spLocks noGrp="1"/>
-          </p:cNvSpPr>
-          <p:nvPr>
-            <p:ph idx="1"/>
-          </p:nvPr>
-        </p:nvSpPr>
-        <p:spPr/>
-        <p:txBody>
-          <a:bodyPr/>
-          <a:lstStyle/>
-          <a:p>
-            <a:r>
-              <a:rPr lang="en-US" b="1" dirty="0">
-                <a:latin typeface="Bernino Sans" pitchFamily="2" charset="77"/>
-              </a:rPr>
-              <a:t>Assumption: </a:t>
-            </a:r>
-            <a:r>
-              <a:rPr lang="en-US" dirty="0"/>
-              <a:t>P[</a:t>
-            </a:r>
-            <a:r>
-              <a:rPr lang="en-US" i="1" dirty="0"/>
-              <a:t>A</a:t>
-            </a:r>
-            <a:r>
-              <a:rPr lang="en-US" baseline="-25000" dirty="0"/>
-              <a:t>0</a:t>
-            </a:r>
-            <a:r>
-              <a:rPr lang="en-US" dirty="0"/>
-              <a:t> fails] &lt; 1/</a:t>
-            </a:r>
-            <a:r>
-              <a:rPr lang="en-US" i="1" dirty="0"/>
-              <a:t>x</a:t>
-            </a:r>
-            <a:r>
-              <a:rPr lang="en-US" baseline="30000" dirty="0"/>
-              <a:t>3</a:t>
-            </a:r>
-          </a:p>
-          <a:p>
-            <a:r>
-              <a:rPr lang="en-US" b="1" dirty="0">
-                <a:latin typeface="Bernino Sans" pitchFamily="2" charset="77"/>
-              </a:rPr>
-              <a:t>Definition: </a:t>
-            </a:r>
-            <a:r>
-              <a:rPr lang="en-US" dirty="0"/>
-              <a:t>P[</a:t>
-            </a:r>
-            <a:r>
-              <a:rPr lang="en-US" i="1" dirty="0"/>
-              <a:t>A</a:t>
-            </a:r>
-            <a:r>
-              <a:rPr lang="en-US" baseline="-25000" dirty="0"/>
-              <a:t>0</a:t>
-            </a:r>
-            <a:r>
-              <a:rPr lang="en-US" dirty="0"/>
-              <a:t> fails | unlucky] ≥ 1/</a:t>
-            </a:r>
-            <a:r>
-              <a:rPr lang="en-US" i="1" dirty="0"/>
-              <a:t>x</a:t>
-            </a:r>
-            <a:r>
-              <a:rPr lang="en-US" baseline="30000" dirty="0"/>
-              <a:t>2</a:t>
-            </a:r>
-            <a:endParaRPr lang="en-US" dirty="0"/>
-          </a:p>
-          <a:p>
-            <a:r>
-              <a:rPr lang="en-US" dirty="0"/>
-              <a:t>P[</a:t>
-            </a:r>
-            <a:r>
-              <a:rPr lang="en-US" i="1" dirty="0"/>
-              <a:t>A</a:t>
-            </a:r>
-            <a:r>
-              <a:rPr lang="en-US" baseline="-25000" dirty="0"/>
-              <a:t>0</a:t>
-            </a:r>
-            <a:r>
-              <a:rPr lang="en-US" dirty="0"/>
-              <a:t> fails | unlucky] · P[unlucky] &lt; 1/</a:t>
-            </a:r>
-            <a:r>
-              <a:rPr lang="en-US" i="1" dirty="0"/>
-              <a:t>x</a:t>
-            </a:r>
-            <a:r>
-              <a:rPr lang="en-US" baseline="30000" dirty="0"/>
-              <a:t>3</a:t>
-            </a:r>
-            <a:endParaRPr lang="en-US" dirty="0"/>
-          </a:p>
-          <a:p>
-            <a:r>
-              <a:rPr lang="en-US" dirty="0"/>
-              <a:t>P[unlucky] &lt; </a:t>
-            </a:r>
-            <a:r>
-              <a:rPr lang="en-US" b="1" dirty="0">
-                <a:solidFill>
-                  <a:schemeClr val="accent1"/>
-                </a:solidFill>
-                <a:latin typeface="Bernino Sans" pitchFamily="2" charset="77"/>
-              </a:rPr>
-              <a:t>1/x</a:t>
-            </a:r>
-            <a:endParaRPr lang="en-US" b="1" i="1" dirty="0">
-              <a:solidFill>
-                <a:schemeClr val="accent1"/>
-              </a:solidFill>
-              <a:latin typeface="Bernino Sans" pitchFamily="2" charset="77"/>
-            </a:endParaRPr>
-          </a:p>
-        </p:txBody>
-      </p:sp>
-    </p:spTree>
-    <p:extLst>
-      <p:ext uri="{BB962C8B-B14F-4D97-AF65-F5344CB8AC3E}">
-        <p14:creationId xmlns:p14="http://schemas.microsoft.com/office/powerpoint/2010/main" val="1714300581"/>
-      </p:ext>
-    </p:extLst>
-  </p:cSld>
-  <p:clrMapOvr>
-    <a:masterClrMapping/>
-  </p:clrMapOvr>
-  <p:timing>
-    <p:tnLst>
-      <p:par>
-        <p:cTn id="1" dur="indefinite" restart="never" nodeType="tmRoot">
-          <p:childTnLst>
-            <p:seq concurrent="1" nextAc="seek">
-              <p:cTn id="2" dur="indefinite" nodeType="mainSeq">
-                <p:childTnLst>
-                  <p:par>
-                    <p:cTn id="3" fill="hold">
-                      <p:stCondLst>
-                        <p:cond delay="indefinite"/>
-                      </p:stCondLst>
-                      <p:childTnLst>
-                        <p:par>
-                          <p:cTn id="4" fill="hold">
-                            <p:stCondLst>
-                              <p:cond delay="0"/>
-                            </p:stCondLst>
-                            <p:childTnLst>
-                              <p:par>
-                                <p:cTn id="5" presetID="1" presetClass="entr" presetSubtype="0" fill="hold" nodeType="clickEffect">
-                                  <p:stCondLst>
-                                    <p:cond delay="0"/>
-                                  </p:stCondLst>
-                                  <p:childTnLst>
-                                    <p:set>
-                                      <p:cBhvr>
-                                        <p:cTn id="6" dur="1" fill="hold">
-                                          <p:stCondLst>
-                                            <p:cond delay="0"/>
-                                          </p:stCondLst>
-                                        </p:cTn>
-                                        <p:tgtEl>
-                                          <p:spTgt spid="3">
-                                            <p:txEl>
-                                              <p:pRg st="2" end="2"/>
-                                            </p:txEl>
-                                          </p:spTgt>
-                                        </p:tgtEl>
-                                        <p:attrNameLst>
-                                          <p:attrName>style.visibility</p:attrName>
-                                        </p:attrNameLst>
-                                      </p:cBhvr>
-                                      <p:to>
-                                        <p:strVal val="visible"/>
-                                      </p:to>
-                                    </p:set>
-                                  </p:childTnLst>
-                                </p:cTn>
-                              </p:par>
-                            </p:childTnLst>
-                          </p:cTn>
-                        </p:par>
-                      </p:childTnLst>
-                    </p:cTn>
-                  </p:par>
-                  <p:par>
-                    <p:cTn id="7" fill="hold">
-                      <p:stCondLst>
-                        <p:cond delay="indefinite"/>
-                      </p:stCondLst>
-                      <p:childTnLst>
-                        <p:par>
-                          <p:cTn id="8" fill="hold">
-                            <p:stCondLst>
-                              <p:cond delay="0"/>
-                            </p:stCondLst>
-                            <p:childTnLst>
-                              <p:par>
-                                <p:cTn id="9" presetID="1" presetClass="entr" presetSubtype="0" fill="hold" nodeType="clickEffect">
-                                  <p:stCondLst>
-                                    <p:cond delay="0"/>
-                                  </p:stCondLst>
-                                  <p:childTnLst>
-                                    <p:set>
-                                      <p:cBhvr>
-                                        <p:cTn id="10" dur="1" fill="hold">
-                                          <p:stCondLst>
-                                            <p:cond delay="0"/>
-                                          </p:stCondLst>
-                                        </p:cTn>
-                                        <p:tgtEl>
-                                          <p:spTgt spid="3">
-                                            <p:txEl>
-                                              <p:pRg st="3" end="3"/>
                                             </p:txEl>
                                           </p:spTgt>
                                         </p:tgtEl>
